--- a/Recruitment_Agency_Mukhtarenkov3/Презентация для диплома, Мухтаренков Е.А..pptx
+++ b/Recruitment_Agency_Mukhtarenkov3/Презентация для диплома, Мухтаренков Е.А..pptx
@@ -307,7 +307,7 @@
           <a:p>
             <a:fld id="{B4C71EC6-210F-42DE-9C53-41977AD35B3D}" type="datetimeFigureOut">
               <a:rPr lang="ru-RU" smtClean="0"/>
-              <a:t>21.06.2024</a:t>
+              <a:t>24.06.2024</a:t>
             </a:fld>
             <a:endParaRPr lang="ru-RU"/>
           </a:p>
@@ -472,7 +472,7 @@
           <a:p>
             <a:fld id="{B4C71EC6-210F-42DE-9C53-41977AD35B3D}" type="datetimeFigureOut">
               <a:rPr lang="ru-RU" smtClean="0"/>
-              <a:t>21.06.2024</a:t>
+              <a:t>24.06.2024</a:t>
             </a:fld>
             <a:endParaRPr lang="ru-RU"/>
           </a:p>
@@ -647,7 +647,7 @@
           <a:p>
             <a:fld id="{B4C71EC6-210F-42DE-9C53-41977AD35B3D}" type="datetimeFigureOut">
               <a:rPr lang="ru-RU" smtClean="0"/>
-              <a:t>21.06.2024</a:t>
+              <a:t>24.06.2024</a:t>
             </a:fld>
             <a:endParaRPr lang="ru-RU"/>
           </a:p>
@@ -830,7 +830,7 @@
           <a:p>
             <a:fld id="{B4C71EC6-210F-42DE-9C53-41977AD35B3D}" type="datetimeFigureOut">
               <a:rPr lang="ru-RU" smtClean="0"/>
-              <a:t>21.06.2024</a:t>
+              <a:t>24.06.2024</a:t>
             </a:fld>
             <a:endParaRPr lang="ru-RU"/>
           </a:p>
@@ -1092,7 +1092,7 @@
           <a:p>
             <a:fld id="{B4C71EC6-210F-42DE-9C53-41977AD35B3D}" type="datetimeFigureOut">
               <a:rPr lang="ru-RU" smtClean="0"/>
-              <a:t>21.06.2024</a:t>
+              <a:t>24.06.2024</a:t>
             </a:fld>
             <a:endParaRPr lang="ru-RU"/>
           </a:p>
@@ -1440,7 +1440,7 @@
           <a:p>
             <a:fld id="{B4C71EC6-210F-42DE-9C53-41977AD35B3D}" type="datetimeFigureOut">
               <a:rPr lang="ru-RU" smtClean="0"/>
-              <a:t>21.06.2024</a:t>
+              <a:t>24.06.2024</a:t>
             </a:fld>
             <a:endParaRPr lang="ru-RU"/>
           </a:p>
@@ -1748,7 +1748,7 @@
           <a:p>
             <a:fld id="{B4C71EC6-210F-42DE-9C53-41977AD35B3D}" type="datetimeFigureOut">
               <a:rPr lang="ru-RU" smtClean="0"/>
-              <a:t>21.06.2024</a:t>
+              <a:t>24.06.2024</a:t>
             </a:fld>
             <a:endParaRPr lang="ru-RU"/>
           </a:p>
@@ -1975,7 +1975,7 @@
           <a:p>
             <a:fld id="{B4C71EC6-210F-42DE-9C53-41977AD35B3D}" type="datetimeFigureOut">
               <a:rPr lang="ru-RU" smtClean="0"/>
-              <a:t>21.06.2024</a:t>
+              <a:t>24.06.2024</a:t>
             </a:fld>
             <a:endParaRPr lang="ru-RU"/>
           </a:p>
@@ -2065,7 +2065,7 @@
           <a:p>
             <a:fld id="{B4C71EC6-210F-42DE-9C53-41977AD35B3D}" type="datetimeFigureOut">
               <a:rPr lang="ru-RU" smtClean="0"/>
-              <a:t>21.06.2024</a:t>
+              <a:t>24.06.2024</a:t>
             </a:fld>
             <a:endParaRPr lang="ru-RU"/>
           </a:p>
@@ -2353,7 +2353,7 @@
           <a:p>
             <a:fld id="{B4C71EC6-210F-42DE-9C53-41977AD35B3D}" type="datetimeFigureOut">
               <a:rPr lang="ru-RU" smtClean="0"/>
-              <a:t>21.06.2024</a:t>
+              <a:t>24.06.2024</a:t>
             </a:fld>
             <a:endParaRPr lang="ru-RU"/>
           </a:p>
@@ -2622,7 +2622,7 @@
           <a:p>
             <a:fld id="{B4C71EC6-210F-42DE-9C53-41977AD35B3D}" type="datetimeFigureOut">
               <a:rPr lang="ru-RU" smtClean="0"/>
-              <a:t>21.06.2024</a:t>
+              <a:t>24.06.2024</a:t>
             </a:fld>
             <a:endParaRPr lang="ru-RU"/>
           </a:p>
@@ -2832,7 +2832,7 @@
           <a:p>
             <a:fld id="{B4C71EC6-210F-42DE-9C53-41977AD35B3D}" type="datetimeFigureOut">
               <a:rPr lang="ru-RU" smtClean="0"/>
-              <a:t>21.06.2024</a:t>
+              <a:t>24.06.2024</a:t>
             </a:fld>
             <a:endParaRPr lang="ru-RU"/>
           </a:p>
@@ -3366,15 +3366,27 @@
           <a:lstStyle/>
           <a:p>
             <a:r>
+              <a:rPr lang="ru-RU" sz="5400" smtClean="0"/>
+              <a:t>Дипломный проект</a:t>
+            </a:r>
+            <a:r>
               <a:rPr lang="ru-RU" sz="5400" dirty="0" smtClean="0"/>
-              <a:t>Дипломная работа</a:t>
+              <a:t/>
             </a:r>
             <a:br>
               <a:rPr lang="ru-RU" sz="5400" dirty="0" smtClean="0"/>
             </a:br>
             <a:r>
               <a:rPr lang="ru-RU" sz="5400" dirty="0" smtClean="0"/>
-              <a:t>тема: создание системы для кадрового агентства</a:t>
+              <a:t>тема: </a:t>
+            </a:r>
+            <a:r>
+              <a:rPr lang="ru-RU" sz="5400" dirty="0" smtClean="0"/>
+              <a:t>разработка информационной </a:t>
+            </a:r>
+            <a:r>
+              <a:rPr lang="ru-RU" sz="5400" dirty="0" smtClean="0"/>
+              <a:t>системы для кадрового агентства</a:t>
             </a:r>
             <a:endParaRPr lang="ru-RU" sz="5400" dirty="0"/>
           </a:p>
@@ -3915,11 +3927,7 @@
           <a:p>
             <a:r>
               <a:rPr lang="en-US" dirty="0" smtClean="0"/>
-              <a:t>Visual </a:t>
-            </a:r>
-            <a:r>
-              <a:rPr lang="en-US" dirty="0" smtClean="0"/>
-              <a:t>studio</a:t>
+              <a:t>Visual studio</a:t>
             </a:r>
           </a:p>
           <a:p>
